--- a/網管HW2.pptx
+++ b/網管HW2.pptx
@@ -5,7 +5,7 @@
     <p:sldMasterId id="2147483676" r:id="rId1"/>
   </p:sldMasterIdLst>
   <p:notesMasterIdLst>
-    <p:notesMasterId r:id="rId11"/>
+    <p:notesMasterId r:id="rId12"/>
   </p:notesMasterIdLst>
   <p:sldIdLst>
     <p:sldId id="256" r:id="rId2"/>
@@ -17,26 +17,27 @@
     <p:sldId id="307" r:id="rId8"/>
     <p:sldId id="305" r:id="rId9"/>
     <p:sldId id="304" r:id="rId10"/>
+    <p:sldId id="308" r:id="rId11"/>
   </p:sldIdLst>
   <p:sldSz cx="9144000" cy="5143500" type="screen16x9"/>
   <p:notesSz cx="6858000" cy="9144000"/>
   <p:embeddedFontLst>
     <p:embeddedFont>
       <p:font typeface="Bebas Neue" panose="020B0606020202050201" pitchFamily="34" charset="0"/>
-      <p:regular r:id="rId12"/>
+      <p:regular r:id="rId13"/>
     </p:embeddedFont>
     <p:embeddedFont>
       <p:font typeface="Darker Grotesque Black" panose="02020500000000000000" charset="0"/>
-      <p:bold r:id="rId13"/>
+      <p:bold r:id="rId14"/>
     </p:embeddedFont>
     <p:embeddedFont>
       <p:font typeface="Darker Grotesque ExtraBold" panose="02020500000000000000" charset="0"/>
-      <p:bold r:id="rId14"/>
+      <p:bold r:id="rId15"/>
     </p:embeddedFont>
     <p:embeddedFont>
       <p:font typeface="Manrope" panose="02020500000000000000" charset="0"/>
-      <p:regular r:id="rId15"/>
-      <p:bold r:id="rId16"/>
+      <p:regular r:id="rId16"/>
+      <p:bold r:id="rId17"/>
     </p:embeddedFont>
   </p:embeddedFontLst>
   <p:defaultTextStyle>
@@ -24679,6 +24680,72 @@
 </p:sld>
 </file>
 
+<file path=ppt/slides/slide10.xml><?xml version="1.0" encoding="utf-8"?>
+<p:sld xmlns:a="http://schemas.openxmlformats.org/drawingml/2006/main" xmlns:r="http://schemas.openxmlformats.org/officeDocument/2006/relationships" xmlns:p="http://schemas.openxmlformats.org/presentationml/2006/main">
+  <p:cSld>
+    <p:spTree>
+      <p:nvGrpSpPr>
+        <p:cNvPr id="1" name=""/>
+        <p:cNvGrpSpPr/>
+        <p:nvPr/>
+      </p:nvGrpSpPr>
+      <p:grpSpPr>
+        <a:xfrm>
+          <a:off x="0" y="0"/>
+          <a:ext cx="0" cy="0"/>
+          <a:chOff x="0" y="0"/>
+          <a:chExt cx="0" cy="0"/>
+        </a:xfrm>
+      </p:grpSpPr>
+      <p:sp>
+        <p:nvSpPr>
+          <p:cNvPr id="2" name="標題 1">
+            <a:extLst>
+              <a:ext uri="{FF2B5EF4-FFF2-40B4-BE49-F238E27FC236}">
+                <a16:creationId xmlns:a16="http://schemas.microsoft.com/office/drawing/2014/main" id="{F70412EF-23D0-14B4-7254-C807D84ED258}"/>
+              </a:ext>
+            </a:extLst>
+          </p:cNvPr>
+          <p:cNvSpPr>
+            <a:spLocks noGrp="1"/>
+          </p:cNvSpPr>
+          <p:nvPr>
+            <p:ph type="title"/>
+          </p:nvPr>
+        </p:nvSpPr>
+        <p:spPr>
+          <a:xfrm>
+            <a:off x="720000" y="2285400"/>
+            <a:ext cx="7704000" cy="572700"/>
+          </a:xfrm>
+        </p:spPr>
+        <p:txBody>
+          <a:bodyPr>
+            <a:noAutofit/>
+          </a:bodyPr>
+          <a:lstStyle/>
+          <a:p>
+            <a:r>
+              <a:rPr lang="en-US" altLang="zh-TW" sz="5000" dirty="0"/>
+              <a:t>DEMO</a:t>
+            </a:r>
+            <a:endParaRPr lang="zh-TW" altLang="en-US" sz="5000" dirty="0"/>
+          </a:p>
+        </p:txBody>
+      </p:sp>
+    </p:spTree>
+    <p:extLst>
+      <p:ext uri="{BB962C8B-B14F-4D97-AF65-F5344CB8AC3E}">
+        <p14:creationId xmlns:p14="http://schemas.microsoft.com/office/powerpoint/2010/main" val="2118424903"/>
+      </p:ext>
+    </p:extLst>
+  </p:cSld>
+  <p:clrMapOvr>
+    <a:masterClrMapping/>
+  </p:clrMapOvr>
+</p:sld>
+</file>
+
 <file path=ppt/slides/slide2.xml><?xml version="1.0" encoding="utf-8"?>
 <p:sld xmlns:a="http://schemas.openxmlformats.org/drawingml/2006/main" xmlns:r="http://schemas.openxmlformats.org/officeDocument/2006/relationships" xmlns:p="http://schemas.openxmlformats.org/presentationml/2006/main">
   <p:cSld>
